--- a/20220218_MCM_2022/Pictures/Pic_Forest System Demo_V0.pptx
+++ b/20220218_MCM_2022/Pictures/Pic_Forest System Demo_V0.pptx
@@ -104,6 +104,11 @@
       </a:defRPr>
     </a:lvl9pPr>
   </p:defaultTextStyle>
+  <p:extLst>
+    <p:ext uri="{EFAFB233-063F-42B5-8137-9DF3F51BA10A}">
+      <p15:sldGuideLst xmlns:p15="http://schemas.microsoft.com/office/powerpoint/2012/main"/>
+    </p:ext>
+  </p:extLst>
 </p:presentation>
 </file>
 
@@ -254,7 +259,7 @@
           <a:p>
             <a:fld id="{8BF83AA9-1A9A-4CB9-B4A8-28E7C8681D4E}" type="datetimeFigureOut">
               <a:rPr lang="zh-CN" altLang="en-US" smtClean="0"/>
-              <a:t>2022/2/18</a:t>
+              <a:t>2022/2/19</a:t>
             </a:fld>
             <a:endParaRPr lang="zh-CN" altLang="en-US"/>
           </a:p>
@@ -452,7 +457,7 @@
           <a:p>
             <a:fld id="{8BF83AA9-1A9A-4CB9-B4A8-28E7C8681D4E}" type="datetimeFigureOut">
               <a:rPr lang="zh-CN" altLang="en-US" smtClean="0"/>
-              <a:t>2022/2/18</a:t>
+              <a:t>2022/2/19</a:t>
             </a:fld>
             <a:endParaRPr lang="zh-CN" altLang="en-US"/>
           </a:p>
@@ -660,7 +665,7 @@
           <a:p>
             <a:fld id="{8BF83AA9-1A9A-4CB9-B4A8-28E7C8681D4E}" type="datetimeFigureOut">
               <a:rPr lang="zh-CN" altLang="en-US" smtClean="0"/>
-              <a:t>2022/2/18</a:t>
+              <a:t>2022/2/19</a:t>
             </a:fld>
             <a:endParaRPr lang="zh-CN" altLang="en-US"/>
           </a:p>
@@ -858,7 +863,7 @@
           <a:p>
             <a:fld id="{8BF83AA9-1A9A-4CB9-B4A8-28E7C8681D4E}" type="datetimeFigureOut">
               <a:rPr lang="zh-CN" altLang="en-US" smtClean="0"/>
-              <a:t>2022/2/18</a:t>
+              <a:t>2022/2/19</a:t>
             </a:fld>
             <a:endParaRPr lang="zh-CN" altLang="en-US"/>
           </a:p>
@@ -1133,7 +1138,7 @@
           <a:p>
             <a:fld id="{8BF83AA9-1A9A-4CB9-B4A8-28E7C8681D4E}" type="datetimeFigureOut">
               <a:rPr lang="zh-CN" altLang="en-US" smtClean="0"/>
-              <a:t>2022/2/18</a:t>
+              <a:t>2022/2/19</a:t>
             </a:fld>
             <a:endParaRPr lang="zh-CN" altLang="en-US"/>
           </a:p>
@@ -1398,7 +1403,7 @@
           <a:p>
             <a:fld id="{8BF83AA9-1A9A-4CB9-B4A8-28E7C8681D4E}" type="datetimeFigureOut">
               <a:rPr lang="zh-CN" altLang="en-US" smtClean="0"/>
-              <a:t>2022/2/18</a:t>
+              <a:t>2022/2/19</a:t>
             </a:fld>
             <a:endParaRPr lang="zh-CN" altLang="en-US"/>
           </a:p>
@@ -1810,7 +1815,7 @@
           <a:p>
             <a:fld id="{8BF83AA9-1A9A-4CB9-B4A8-28E7C8681D4E}" type="datetimeFigureOut">
               <a:rPr lang="zh-CN" altLang="en-US" smtClean="0"/>
-              <a:t>2022/2/18</a:t>
+              <a:t>2022/2/19</a:t>
             </a:fld>
             <a:endParaRPr lang="zh-CN" altLang="en-US"/>
           </a:p>
@@ -1951,7 +1956,7 @@
           <a:p>
             <a:fld id="{8BF83AA9-1A9A-4CB9-B4A8-28E7C8681D4E}" type="datetimeFigureOut">
               <a:rPr lang="zh-CN" altLang="en-US" smtClean="0"/>
-              <a:t>2022/2/18</a:t>
+              <a:t>2022/2/19</a:t>
             </a:fld>
             <a:endParaRPr lang="zh-CN" altLang="en-US"/>
           </a:p>
@@ -2064,7 +2069,7 @@
           <a:p>
             <a:fld id="{8BF83AA9-1A9A-4CB9-B4A8-28E7C8681D4E}" type="datetimeFigureOut">
               <a:rPr lang="zh-CN" altLang="en-US" smtClean="0"/>
-              <a:t>2022/2/18</a:t>
+              <a:t>2022/2/19</a:t>
             </a:fld>
             <a:endParaRPr lang="zh-CN" altLang="en-US"/>
           </a:p>
@@ -2375,7 +2380,7 @@
           <a:p>
             <a:fld id="{8BF83AA9-1A9A-4CB9-B4A8-28E7C8681D4E}" type="datetimeFigureOut">
               <a:rPr lang="zh-CN" altLang="en-US" smtClean="0"/>
-              <a:t>2022/2/18</a:t>
+              <a:t>2022/2/19</a:t>
             </a:fld>
             <a:endParaRPr lang="zh-CN" altLang="en-US"/>
           </a:p>
@@ -2663,7 +2668,7 @@
           <a:p>
             <a:fld id="{8BF83AA9-1A9A-4CB9-B4A8-28E7C8681D4E}" type="datetimeFigureOut">
               <a:rPr lang="zh-CN" altLang="en-US" smtClean="0"/>
-              <a:t>2022/2/18</a:t>
+              <a:t>2022/2/19</a:t>
             </a:fld>
             <a:endParaRPr lang="zh-CN" altLang="en-US"/>
           </a:p>
@@ -2904,7 +2909,7 @@
           <a:p>
             <a:fld id="{8BF83AA9-1A9A-4CB9-B4A8-28E7C8681D4E}" type="datetimeFigureOut">
               <a:rPr lang="zh-CN" altLang="en-US" smtClean="0"/>
-              <a:t>2022/2/18</a:t>
+              <a:t>2022/2/19</a:t>
             </a:fld>
             <a:endParaRPr lang="zh-CN" altLang="en-US"/>
           </a:p>
@@ -3659,58 +3664,6 @@
       </p:sp>
       <p:sp>
         <p:nvSpPr>
-          <p:cNvPr id="12" name="箭头: 左 11">
-            <a:extLst>
-              <a:ext uri="{FF2B5EF4-FFF2-40B4-BE49-F238E27FC236}">
-                <a16:creationId xmlns:a16="http://schemas.microsoft.com/office/drawing/2014/main" id="{028F5C27-9DBC-49B0-A427-F09830AC5F3E}"/>
-              </a:ext>
-            </a:extLst>
-          </p:cNvPr>
-          <p:cNvSpPr/>
-          <p:nvPr/>
-        </p:nvSpPr>
-        <p:spPr>
-          <a:xfrm>
-            <a:off x="3148632" y="4349011"/>
-            <a:ext cx="1321904" cy="240122"/>
-          </a:xfrm>
-          <a:prstGeom prst="leftArrow">
-            <a:avLst/>
-          </a:prstGeom>
-          <a:ln>
-            <a:noFill/>
-          </a:ln>
-        </p:spPr>
-        <p:style>
-          <a:lnRef idx="2">
-            <a:schemeClr val="accent3">
-              <a:shade val="50000"/>
-            </a:schemeClr>
-          </a:lnRef>
-          <a:fillRef idx="1">
-            <a:schemeClr val="accent3"/>
-          </a:fillRef>
-          <a:effectRef idx="0">
-            <a:schemeClr val="accent3"/>
-          </a:effectRef>
-          <a:fontRef idx="minor">
-            <a:schemeClr val="lt1"/>
-          </a:fontRef>
-        </p:style>
-        <p:txBody>
-          <a:bodyPr rtlCol="0" anchor="ctr"/>
-          <a:lstStyle/>
-          <a:p>
-            <a:pPr algn="ctr"/>
-            <a:endParaRPr lang="zh-CN" altLang="en-US">
-              <a:latin typeface="Dubai" panose="020B0503030403030204" pitchFamily="34" charset="-78"/>
-              <a:cs typeface="Dubai" panose="020B0503030403030204" pitchFamily="34" charset="-78"/>
-            </a:endParaRPr>
-          </a:p>
-        </p:txBody>
-      </p:sp>
-      <p:sp>
-        <p:nvSpPr>
           <p:cNvPr id="13" name="箭头: 左 12">
             <a:extLst>
               <a:ext uri="{FF2B5EF4-FFF2-40B4-BE49-F238E27FC236}">
@@ -3924,7 +3877,7 @@
         </p:nvSpPr>
         <p:spPr>
           <a:xfrm>
-            <a:off x="2873269" y="4768044"/>
+            <a:off x="2882441" y="4704073"/>
             <a:ext cx="1758815" cy="646331"/>
           </a:xfrm>
           <a:prstGeom prst="rect">
@@ -3977,7 +3930,7 @@
         </p:nvSpPr>
         <p:spPr>
           <a:xfrm rot="10800000">
-            <a:off x="3299516" y="4568184"/>
+            <a:off x="3308688" y="4504213"/>
             <a:ext cx="1020136" cy="165706"/>
           </a:xfrm>
           <a:prstGeom prst="leftArrow">
@@ -4009,59 +3962,6 @@
           <a:p>
             <a:pPr algn="ctr"/>
             <a:endParaRPr lang="zh-CN" altLang="en-US">
-              <a:latin typeface="Dubai" panose="020B0503030403030204" pitchFamily="34" charset="-78"/>
-              <a:cs typeface="Dubai" panose="020B0503030403030204" pitchFamily="34" charset="-78"/>
-            </a:endParaRPr>
-          </a:p>
-        </p:txBody>
-      </p:sp>
-      <p:sp>
-        <p:nvSpPr>
-          <p:cNvPr id="22" name="文本框 21">
-            <a:extLst>
-              <a:ext uri="{FF2B5EF4-FFF2-40B4-BE49-F238E27FC236}">
-                <a16:creationId xmlns:a16="http://schemas.microsoft.com/office/drawing/2014/main" id="{B9C04FDB-B9EB-41E9-BBBA-7B2E78D34C78}"/>
-              </a:ext>
-            </a:extLst>
-          </p:cNvPr>
-          <p:cNvSpPr txBox="1"/>
-          <p:nvPr/>
-        </p:nvSpPr>
-        <p:spPr>
-          <a:xfrm>
-            <a:off x="3025263" y="3628265"/>
-            <a:ext cx="1497654" cy="646331"/>
-          </a:xfrm>
-          <a:prstGeom prst="rect">
-            <a:avLst/>
-          </a:prstGeom>
-          <a:noFill/>
-        </p:spPr>
-        <p:txBody>
-          <a:bodyPr wrap="none" rtlCol="0">
-            <a:spAutoFit/>
-          </a:bodyPr>
-          <a:lstStyle/>
-          <a:p>
-            <a:r>
-              <a:rPr lang="en-US" altLang="zh-CN" dirty="0">
-                <a:latin typeface="Dubai" panose="020B0503030403030204" pitchFamily="34" charset="-78"/>
-                <a:ea typeface="Cambria Math" panose="02040503050406030204" pitchFamily="18" charset="0"/>
-                <a:cs typeface="Dubai" panose="020B0503030403030204" pitchFamily="34" charset="-78"/>
-              </a:rPr>
-              <a:t>Carbon</a:t>
-            </a:r>
-          </a:p>
-          <a:p>
-            <a:r>
-              <a:rPr lang="en-US" altLang="zh-CN" dirty="0">
-                <a:latin typeface="Dubai" panose="020B0503030403030204" pitchFamily="34" charset="-78"/>
-                <a:ea typeface="Cambria Math" panose="02040503050406030204" pitchFamily="18" charset="0"/>
-                <a:cs typeface="Dubai" panose="020B0503030403030204" pitchFamily="34" charset="-78"/>
-              </a:rPr>
-              <a:t>Sequestration</a:t>
-            </a:r>
-            <a:endParaRPr lang="zh-CN" altLang="en-US" dirty="0">
               <a:latin typeface="Dubai" panose="020B0503030403030204" pitchFamily="34" charset="-78"/>
               <a:cs typeface="Dubai" panose="020B0503030403030204" pitchFamily="34" charset="-78"/>
             </a:endParaRPr>
@@ -4174,8 +4074,8 @@
         </p:nvSpPr>
         <p:spPr>
           <a:xfrm>
-            <a:off x="3025263" y="5686472"/>
-            <a:ext cx="1497654" cy="646331"/>
+            <a:off x="2822673" y="5810122"/>
+            <a:ext cx="1837426" cy="369332"/>
           </a:xfrm>
           <a:prstGeom prst="rect">
             <a:avLst/>
@@ -4199,32 +4099,8 @@
                 <a:ea typeface="Cambria Math" panose="02040503050406030204" pitchFamily="18" charset="0"/>
                 <a:cs typeface="Dubai" panose="020B0503030403030204" pitchFamily="34" charset="-78"/>
               </a:rPr>
-              <a:t>Net Carbon</a:t>
-            </a:r>
-          </a:p>
-          <a:p>
-            <a:r>
-              <a:rPr lang="en-US" altLang="zh-CN" dirty="0">
-                <a:solidFill>
-                  <a:schemeClr val="bg1">
-                    <a:lumMod val="50000"/>
-                  </a:schemeClr>
-                </a:solidFill>
-                <a:latin typeface="Dubai" panose="020B0503030403030204" pitchFamily="34" charset="-78"/>
-                <a:ea typeface="Cambria Math" panose="02040503050406030204" pitchFamily="18" charset="0"/>
-                <a:cs typeface="Dubai" panose="020B0503030403030204" pitchFamily="34" charset="-78"/>
-              </a:rPr>
-              <a:t>Sequestration</a:t>
-            </a:r>
-            <a:endParaRPr lang="zh-CN" altLang="en-US" dirty="0">
-              <a:solidFill>
-                <a:schemeClr val="bg1">
-                  <a:lumMod val="50000"/>
-                </a:schemeClr>
-              </a:solidFill>
-              <a:latin typeface="Dubai" panose="020B0503030403030204" pitchFamily="34" charset="-78"/>
-              <a:cs typeface="Dubai" panose="020B0503030403030204" pitchFamily="34" charset="-78"/>
-            </a:endParaRPr>
+              <a:t>Carbon Transport</a:t>
+            </a:r>
           </a:p>
         </p:txBody>
       </p:sp>
